--- a/Trabalho FInal/RedesNeuraisSHM.pptx
+++ b/Trabalho FInal/RedesNeuraisSHM.pptx
@@ -140,7 +140,7 @@
   <pc:docChgLst>
     <pc:chgData name="Felipe da Costa Pereira" userId="9da7774e-0bca-4473-9368-37b6a1415b57" providerId="ADAL" clId="{FFDC4C8F-F75C-403D-81DA-8751159DE05A}"/>
     <pc:docChg chg="undo redo custSel addSld delSld modSld sldOrd">
-      <pc:chgData name="Felipe da Costa Pereira" userId="9da7774e-0bca-4473-9368-37b6a1415b57" providerId="ADAL" clId="{FFDC4C8F-F75C-403D-81DA-8751159DE05A}" dt="2022-06-08T22:27:46.178" v="4364" actId="571"/>
+      <pc:chgData name="Felipe da Costa Pereira" userId="9da7774e-0bca-4473-9368-37b6a1415b57" providerId="ADAL" clId="{FFDC4C8F-F75C-403D-81DA-8751159DE05A}" dt="2022-06-09T01:00:59.758" v="4380" actId="20577"/>
       <pc:docMkLst>
         <pc:docMk/>
       </pc:docMkLst>
@@ -849,7 +849,7 @@
         </pc:sldMkLst>
       </pc:sldChg>
       <pc:sldChg chg="modSp add del mod">
-        <pc:chgData name="Felipe da Costa Pereira" userId="9da7774e-0bca-4473-9368-37b6a1415b57" providerId="ADAL" clId="{FFDC4C8F-F75C-403D-81DA-8751159DE05A}" dt="2022-06-08T22:20:37.858" v="4298" actId="313"/>
+        <pc:chgData name="Felipe da Costa Pereira" userId="9da7774e-0bca-4473-9368-37b6a1415b57" providerId="ADAL" clId="{FFDC4C8F-F75C-403D-81DA-8751159DE05A}" dt="2022-06-09T01:00:59.758" v="4380" actId="20577"/>
         <pc:sldMkLst>
           <pc:docMk/>
           <pc:sldMk cId="163645239" sldId="298"/>
@@ -863,7 +863,7 @@
           </ac:spMkLst>
         </pc:spChg>
         <pc:spChg chg="mod">
-          <ac:chgData name="Felipe da Costa Pereira" userId="9da7774e-0bca-4473-9368-37b6a1415b57" providerId="ADAL" clId="{FFDC4C8F-F75C-403D-81DA-8751159DE05A}" dt="2022-06-08T22:20:37.858" v="4298" actId="313"/>
+          <ac:chgData name="Felipe da Costa Pereira" userId="9da7774e-0bca-4473-9368-37b6a1415b57" providerId="ADAL" clId="{FFDC4C8F-F75C-403D-81DA-8751159DE05A}" dt="2022-06-09T01:00:59.758" v="4380" actId="20577"/>
           <ac:spMkLst>
             <pc:docMk/>
             <pc:sldMk cId="163645239" sldId="298"/>
@@ -29789,7 +29789,7 @@
             </a:pPr>
             <a:r>
               <a:rPr lang="en-GB" sz="1800" dirty="0"/>
-              <a:t>Ensemble methods (Boosting, Bagging, etc)</a:t>
+              <a:t>Ensemble methods (Random Forests, Boosting, Bagging, etc)</a:t>
             </a:r>
           </a:p>
           <a:p>
@@ -30645,12 +30645,11 @@
 </file>
 
 <file path=customXml/item1.xml><?xml version="1.0" encoding="utf-8"?>
-<?mso-contentType ?>
-<FormTemplates xmlns="http://schemas.microsoft.com/sharepoint/v3/contenttype/forms">
-  <Display>DocumentLibraryForm</Display>
-  <Edit>DocumentLibraryForm</Edit>
-  <New>DocumentLibraryForm</New>
-</FormTemplates>
+<p:properties xmlns:p="http://schemas.microsoft.com/office/2006/metadata/properties" xmlns:xsi="http://www.w3.org/2001/XMLSchema-instance" xmlns:pc="http://schemas.microsoft.com/office/infopath/2007/PartnerControls">
+  <documentManagement>
+    <MediaServiceKeyPoints xmlns="71af3243-3dd4-4a8d-8c0d-dd76da1f02a5" xsi:nil="true"/>
+  </documentManagement>
+</p:properties>
 </file>
 
 <file path=customXml/item2.xml><?xml version="1.0" encoding="utf-8"?>
@@ -30865,17 +30864,20 @@
 </file>
 
 <file path=customXml/item3.xml><?xml version="1.0" encoding="utf-8"?>
-<p:properties xmlns:p="http://schemas.microsoft.com/office/2006/metadata/properties" xmlns:xsi="http://www.w3.org/2001/XMLSchema-instance" xmlns:pc="http://schemas.microsoft.com/office/infopath/2007/PartnerControls">
-  <documentManagement>
-    <MediaServiceKeyPoints xmlns="71af3243-3dd4-4a8d-8c0d-dd76da1f02a5" xsi:nil="true"/>
-  </documentManagement>
-</p:properties>
+<?mso-contentType ?>
+<FormTemplates xmlns="http://schemas.microsoft.com/sharepoint/v3/contenttype/forms">
+  <Display>DocumentLibraryForm</Display>
+  <Edit>DocumentLibraryForm</Edit>
+  <New>DocumentLibraryForm</New>
+</FormTemplates>
 </file>
 
 <file path=customXml/itemProps1.xml><?xml version="1.0" encoding="utf-8"?>
-<ds:datastoreItem xmlns:ds="http://schemas.openxmlformats.org/officeDocument/2006/customXml" ds:itemID="{4F44C90D-2A62-4985-9618-3460247437B1}">
+<ds:datastoreItem xmlns:ds="http://schemas.openxmlformats.org/officeDocument/2006/customXml" ds:itemID="{788A2F88-55C5-4ED1-9541-807C65424763}">
   <ds:schemaRefs>
-    <ds:schemaRef ds:uri="http://schemas.microsoft.com/sharepoint/v3/contenttype/forms"/>
+    <ds:schemaRef ds:uri="http://schemas.microsoft.com/office/2006/metadata/properties"/>
+    <ds:schemaRef ds:uri="http://schemas.microsoft.com/office/infopath/2007/PartnerControls"/>
+    <ds:schemaRef ds:uri="71af3243-3dd4-4a8d-8c0d-dd76da1f02a5"/>
   </ds:schemaRefs>
 </ds:datastoreItem>
 </file>
@@ -30900,11 +30902,9 @@
 </file>
 
 <file path=customXml/itemProps3.xml><?xml version="1.0" encoding="utf-8"?>
-<ds:datastoreItem xmlns:ds="http://schemas.openxmlformats.org/officeDocument/2006/customXml" ds:itemID="{788A2F88-55C5-4ED1-9541-807C65424763}">
+<ds:datastoreItem xmlns:ds="http://schemas.openxmlformats.org/officeDocument/2006/customXml" ds:itemID="{4F44C90D-2A62-4985-9618-3460247437B1}">
   <ds:schemaRefs>
-    <ds:schemaRef ds:uri="http://schemas.microsoft.com/office/2006/metadata/properties"/>
-    <ds:schemaRef ds:uri="http://schemas.microsoft.com/office/infopath/2007/PartnerControls"/>
-    <ds:schemaRef ds:uri="71af3243-3dd4-4a8d-8c0d-dd76da1f02a5"/>
+    <ds:schemaRef ds:uri="http://schemas.microsoft.com/sharepoint/v3/contenttype/forms"/>
   </ds:schemaRefs>
 </ds:datastoreItem>
 </file>